--- a/Attempt/Image-Editing.pptx
+++ b/Attempt/Image-Editing.pptx
@@ -259,7 +259,7 @@
           <a:p>
             <a:fld id="{E77E97DF-4223-4888-91EC-1C885E96ED5A}" type="datetimeFigureOut">
               <a:rPr lang="en-US" smtClean="0"/>
-              <a:t>7/21/2022</a:t>
+              <a:t>9/9/2022</a:t>
             </a:fld>
             <a:endParaRPr lang="en-US"/>
           </a:p>
@@ -457,7 +457,7 @@
           <a:p>
             <a:fld id="{E77E97DF-4223-4888-91EC-1C885E96ED5A}" type="datetimeFigureOut">
               <a:rPr lang="en-US" smtClean="0"/>
-              <a:t>7/21/2022</a:t>
+              <a:t>9/9/2022</a:t>
             </a:fld>
             <a:endParaRPr lang="en-US"/>
           </a:p>
@@ -665,7 +665,7 @@
           <a:p>
             <a:fld id="{E77E97DF-4223-4888-91EC-1C885E96ED5A}" type="datetimeFigureOut">
               <a:rPr lang="en-US" smtClean="0"/>
-              <a:t>7/21/2022</a:t>
+              <a:t>9/9/2022</a:t>
             </a:fld>
             <a:endParaRPr lang="en-US"/>
           </a:p>
@@ -863,7 +863,7 @@
           <a:p>
             <a:fld id="{E77E97DF-4223-4888-91EC-1C885E96ED5A}" type="datetimeFigureOut">
               <a:rPr lang="en-US" smtClean="0"/>
-              <a:t>7/21/2022</a:t>
+              <a:t>9/9/2022</a:t>
             </a:fld>
             <a:endParaRPr lang="en-US"/>
           </a:p>
@@ -1138,7 +1138,7 @@
           <a:p>
             <a:fld id="{E77E97DF-4223-4888-91EC-1C885E96ED5A}" type="datetimeFigureOut">
               <a:rPr lang="en-US" smtClean="0"/>
-              <a:t>7/21/2022</a:t>
+              <a:t>9/9/2022</a:t>
             </a:fld>
             <a:endParaRPr lang="en-US"/>
           </a:p>
@@ -1403,7 +1403,7 @@
           <a:p>
             <a:fld id="{E77E97DF-4223-4888-91EC-1C885E96ED5A}" type="datetimeFigureOut">
               <a:rPr lang="en-US" smtClean="0"/>
-              <a:t>7/21/2022</a:t>
+              <a:t>9/9/2022</a:t>
             </a:fld>
             <a:endParaRPr lang="en-US"/>
           </a:p>
@@ -1815,7 +1815,7 @@
           <a:p>
             <a:fld id="{E77E97DF-4223-4888-91EC-1C885E96ED5A}" type="datetimeFigureOut">
               <a:rPr lang="en-US" smtClean="0"/>
-              <a:t>7/21/2022</a:t>
+              <a:t>9/9/2022</a:t>
             </a:fld>
             <a:endParaRPr lang="en-US"/>
           </a:p>
@@ -1956,7 +1956,7 @@
           <a:p>
             <a:fld id="{E77E97DF-4223-4888-91EC-1C885E96ED5A}" type="datetimeFigureOut">
               <a:rPr lang="en-US" smtClean="0"/>
-              <a:t>7/21/2022</a:t>
+              <a:t>9/9/2022</a:t>
             </a:fld>
             <a:endParaRPr lang="en-US"/>
           </a:p>
@@ -2069,7 +2069,7 @@
           <a:p>
             <a:fld id="{E77E97DF-4223-4888-91EC-1C885E96ED5A}" type="datetimeFigureOut">
               <a:rPr lang="en-US" smtClean="0"/>
-              <a:t>7/21/2022</a:t>
+              <a:t>9/9/2022</a:t>
             </a:fld>
             <a:endParaRPr lang="en-US"/>
           </a:p>
@@ -2380,7 +2380,7 @@
           <a:p>
             <a:fld id="{E77E97DF-4223-4888-91EC-1C885E96ED5A}" type="datetimeFigureOut">
               <a:rPr lang="en-US" smtClean="0"/>
-              <a:t>7/21/2022</a:t>
+              <a:t>9/9/2022</a:t>
             </a:fld>
             <a:endParaRPr lang="en-US"/>
           </a:p>
@@ -2668,7 +2668,7 @@
           <a:p>
             <a:fld id="{E77E97DF-4223-4888-91EC-1C885E96ED5A}" type="datetimeFigureOut">
               <a:rPr lang="en-US" smtClean="0"/>
-              <a:t>7/21/2022</a:t>
+              <a:t>9/9/2022</a:t>
             </a:fld>
             <a:endParaRPr lang="en-US"/>
           </a:p>
@@ -2909,7 +2909,7 @@
           <a:p>
             <a:fld id="{E77E97DF-4223-4888-91EC-1C885E96ED5A}" type="datetimeFigureOut">
               <a:rPr lang="en-US" smtClean="0"/>
-              <a:t>7/21/2022</a:t>
+              <a:t>9/9/2022</a:t>
             </a:fld>
             <a:endParaRPr lang="en-US"/>
           </a:p>
@@ -3353,7 +3353,7 @@
         </p:blipFill>
         <p:spPr>
           <a:xfrm>
-            <a:off x="243828" y="594354"/>
+            <a:off x="144437" y="594354"/>
             <a:ext cx="11704343" cy="5669291"/>
           </a:xfrm>
           <a:prstGeom prst="rect">
@@ -3361,64 +3361,22 @@
           </a:prstGeom>
         </p:spPr>
       </p:pic>
-      <p:pic>
-        <p:nvPicPr>
-          <p:cNvPr id="9" name="Picture 8">
-            <a:extLst>
-              <a:ext uri="{FF2B5EF4-FFF2-40B4-BE49-F238E27FC236}">
-                <a16:creationId xmlns:a16="http://schemas.microsoft.com/office/drawing/2014/main" id="{A206DD88-68F5-6D84-89F2-A5C7FD70B512}"/>
-              </a:ext>
-            </a:extLst>
-          </p:cNvPr>
-          <p:cNvPicPr>
-            <a:picLocks noChangeAspect="1"/>
-          </p:cNvPicPr>
+      <p:sp>
+        <p:nvSpPr>
+          <p:cNvPr id="10" name="Rectangle 9">
+            <a:extLst>
+              <a:ext uri="{FF2B5EF4-FFF2-40B4-BE49-F238E27FC236}">
+                <a16:creationId xmlns:a16="http://schemas.microsoft.com/office/drawing/2014/main" id="{2BD4A654-6F9E-AAC1-2640-1633F8F4B9B7}"/>
+              </a:ext>
+            </a:extLst>
+          </p:cNvPr>
+          <p:cNvSpPr/>
           <p:nvPr/>
-        </p:nvPicPr>
-        <p:blipFill rotWithShape="1">
-          <a:blip r:embed="rId3">
-            <a:extLst>
-              <a:ext uri="{28A0092B-C50C-407E-A947-70E740481C1C}">
-                <a14:useLocalDpi xmlns:a14="http://schemas.microsoft.com/office/drawing/2010/main" val="0"/>
-              </a:ext>
-            </a:extLst>
-          </a:blip>
-          <a:srcRect l="25292" t="17290" r="35885" b="9596"/>
-          <a:stretch/>
-        </p:blipFill>
+        </p:nvSpPr>
         <p:spPr>
           <a:xfrm>
-            <a:off x="5790624" y="3009855"/>
-            <a:ext cx="2310789" cy="2543208"/>
-          </a:xfrm>
-          <a:prstGeom prst="rect">
-            <a:avLst/>
-          </a:prstGeom>
-          <a:ln w="12700">
-            <a:solidFill>
-              <a:schemeClr val="tx2">
-                <a:lumMod val="50000"/>
-              </a:schemeClr>
-            </a:solidFill>
-          </a:ln>
-        </p:spPr>
-      </p:pic>
-      <p:sp>
-        <p:nvSpPr>
-          <p:cNvPr id="10" name="Rectangle 9">
-            <a:extLst>
-              <a:ext uri="{FF2B5EF4-FFF2-40B4-BE49-F238E27FC236}">
-                <a16:creationId xmlns:a16="http://schemas.microsoft.com/office/drawing/2014/main" id="{2BD4A654-6F9E-AAC1-2640-1633F8F4B9B7}"/>
-              </a:ext>
-            </a:extLst>
-          </p:cNvPr>
-          <p:cNvSpPr/>
-          <p:nvPr/>
-        </p:nvSpPr>
-        <p:spPr>
-          <a:xfrm>
-            <a:off x="4400235" y="4456640"/>
-            <a:ext cx="649480" cy="1234859"/>
+            <a:off x="4118223" y="5054601"/>
+            <a:ext cx="1122644" cy="643465"/>
           </a:xfrm>
           <a:prstGeom prst="rect">
             <a:avLst/>
@@ -3455,10 +3413,10 @@
       </p:sp>
       <p:cxnSp>
         <p:nvCxnSpPr>
-          <p:cNvPr id="6" name="Straight Arrow Connector 5">
-            <a:extLst>
-              <a:ext uri="{FF2B5EF4-FFF2-40B4-BE49-F238E27FC236}">
-                <a16:creationId xmlns:a16="http://schemas.microsoft.com/office/drawing/2014/main" id="{AA04EE1F-A864-921A-3A87-EDABA4FC8C17}"/>
+          <p:cNvPr id="13" name="Straight Arrow Connector 12">
+            <a:extLst>
+              <a:ext uri="{FF2B5EF4-FFF2-40B4-BE49-F238E27FC236}">
+                <a16:creationId xmlns:a16="http://schemas.microsoft.com/office/drawing/2014/main" id="{D90F6703-6E94-E701-CC61-3686D8303ABF}"/>
               </a:ext>
             </a:extLst>
           </p:cNvPr>
@@ -3469,8 +3427,8 @@
         </p:nvCxnSpPr>
         <p:spPr>
           <a:xfrm>
-            <a:off x="5259936" y="4807037"/>
-            <a:ext cx="423017" cy="0"/>
+            <a:off x="5417056" y="5285390"/>
+            <a:ext cx="348744" cy="0"/>
           </a:xfrm>
           <a:prstGeom prst="straightConnector1">
             <a:avLst/>
@@ -3497,6 +3455,47 @@
           </a:fontRef>
         </p:style>
       </p:cxnSp>
+      <p:pic>
+        <p:nvPicPr>
+          <p:cNvPr id="27" name="Picture 26">
+            <a:extLst>
+              <a:ext uri="{FF2B5EF4-FFF2-40B4-BE49-F238E27FC236}">
+                <a16:creationId xmlns:a16="http://schemas.microsoft.com/office/drawing/2014/main" id="{E41324A9-FC1F-6EFA-96FD-9D932740D15B}"/>
+              </a:ext>
+            </a:extLst>
+          </p:cNvPr>
+          <p:cNvPicPr>
+            <a:picLocks noChangeAspect="1"/>
+          </p:cNvPicPr>
+          <p:nvPr/>
+        </p:nvPicPr>
+        <p:blipFill>
+          <a:blip r:embed="rId3">
+            <a:extLst>
+              <a:ext uri="{28A0092B-C50C-407E-A947-70E740481C1C}">
+                <a14:useLocalDpi xmlns:a14="http://schemas.microsoft.com/office/drawing/2010/main" val="0"/>
+              </a:ext>
+            </a:extLst>
+          </a:blip>
+          <a:stretch>
+            <a:fillRect/>
+          </a:stretch>
+        </p:blipFill>
+        <p:spPr>
+          <a:xfrm>
+            <a:off x="5996608" y="4030133"/>
+            <a:ext cx="4236450" cy="1499725"/>
+          </a:xfrm>
+          <a:prstGeom prst="rect">
+            <a:avLst/>
+          </a:prstGeom>
+          <a:ln>
+            <a:solidFill>
+              <a:schemeClr val="tx1"/>
+            </a:solidFill>
+          </a:ln>
+        </p:spPr>
+      </p:pic>
     </p:spTree>
     <p:extLst>
       <p:ext uri="{BB962C8B-B14F-4D97-AF65-F5344CB8AC3E}">
